--- a/documentations/codeflow_asm.pptx
+++ b/documentations/codeflow_asm.pptx
@@ -6,6 +6,7 @@
   </p:sldMasterIdLst>
   <p:sldIdLst>
     <p:sldId id="256" r:id="rId2"/>
+    <p:sldId id="257" r:id="rId3"/>
   </p:sldIdLst>
   <p:sldSz cx="12192000" cy="6858000"/>
   <p:notesSz cx="6858000" cy="9144000"/>
@@ -104,6 +105,11 @@
       </a:defRPr>
     </a:lvl9pPr>
   </p:defaultTextStyle>
+  <p:extLst>
+    <p:ext uri="{EFAFB233-063F-42B5-8137-9DF3F51BA10A}">
+      <p15:sldGuideLst xmlns:p15="http://schemas.microsoft.com/office/powerpoint/2012/main"/>
+    </p:ext>
+  </p:extLst>
 </p:presentation>
 </file>
 
@@ -254,7 +260,7 @@
           <a:p>
             <a:fld id="{330F189F-FDCA-3B49-BD71-3758360E44DC}" type="datetimeFigureOut">
               <a:rPr lang="en-US" smtClean="0"/>
-              <a:t>4/8/20</a:t>
+              <a:t>4/15/20</a:t>
             </a:fld>
             <a:endParaRPr lang="en-US"/>
           </a:p>
@@ -452,7 +458,7 @@
           <a:p>
             <a:fld id="{330F189F-FDCA-3B49-BD71-3758360E44DC}" type="datetimeFigureOut">
               <a:rPr lang="en-US" smtClean="0"/>
-              <a:t>4/8/20</a:t>
+              <a:t>4/15/20</a:t>
             </a:fld>
             <a:endParaRPr lang="en-US"/>
           </a:p>
@@ -660,7 +666,7 @@
           <a:p>
             <a:fld id="{330F189F-FDCA-3B49-BD71-3758360E44DC}" type="datetimeFigureOut">
               <a:rPr lang="en-US" smtClean="0"/>
-              <a:t>4/8/20</a:t>
+              <a:t>4/15/20</a:t>
             </a:fld>
             <a:endParaRPr lang="en-US"/>
           </a:p>
@@ -858,7 +864,7 @@
           <a:p>
             <a:fld id="{330F189F-FDCA-3B49-BD71-3758360E44DC}" type="datetimeFigureOut">
               <a:rPr lang="en-US" smtClean="0"/>
-              <a:t>4/8/20</a:t>
+              <a:t>4/15/20</a:t>
             </a:fld>
             <a:endParaRPr lang="en-US"/>
           </a:p>
@@ -1133,7 +1139,7 @@
           <a:p>
             <a:fld id="{330F189F-FDCA-3B49-BD71-3758360E44DC}" type="datetimeFigureOut">
               <a:rPr lang="en-US" smtClean="0"/>
-              <a:t>4/8/20</a:t>
+              <a:t>4/15/20</a:t>
             </a:fld>
             <a:endParaRPr lang="en-US"/>
           </a:p>
@@ -1398,7 +1404,7 @@
           <a:p>
             <a:fld id="{330F189F-FDCA-3B49-BD71-3758360E44DC}" type="datetimeFigureOut">
               <a:rPr lang="en-US" smtClean="0"/>
-              <a:t>4/8/20</a:t>
+              <a:t>4/15/20</a:t>
             </a:fld>
             <a:endParaRPr lang="en-US"/>
           </a:p>
@@ -1810,7 +1816,7 @@
           <a:p>
             <a:fld id="{330F189F-FDCA-3B49-BD71-3758360E44DC}" type="datetimeFigureOut">
               <a:rPr lang="en-US" smtClean="0"/>
-              <a:t>4/8/20</a:t>
+              <a:t>4/15/20</a:t>
             </a:fld>
             <a:endParaRPr lang="en-US"/>
           </a:p>
@@ -1951,7 +1957,7 @@
           <a:p>
             <a:fld id="{330F189F-FDCA-3B49-BD71-3758360E44DC}" type="datetimeFigureOut">
               <a:rPr lang="en-US" smtClean="0"/>
-              <a:t>4/8/20</a:t>
+              <a:t>4/15/20</a:t>
             </a:fld>
             <a:endParaRPr lang="en-US"/>
           </a:p>
@@ -2064,7 +2070,7 @@
           <a:p>
             <a:fld id="{330F189F-FDCA-3B49-BD71-3758360E44DC}" type="datetimeFigureOut">
               <a:rPr lang="en-US" smtClean="0"/>
-              <a:t>4/8/20</a:t>
+              <a:t>4/15/20</a:t>
             </a:fld>
             <a:endParaRPr lang="en-US"/>
           </a:p>
@@ -2375,7 +2381,7 @@
           <a:p>
             <a:fld id="{330F189F-FDCA-3B49-BD71-3758360E44DC}" type="datetimeFigureOut">
               <a:rPr lang="en-US" smtClean="0"/>
-              <a:t>4/8/20</a:t>
+              <a:t>4/15/20</a:t>
             </a:fld>
             <a:endParaRPr lang="en-US"/>
           </a:p>
@@ -2663,7 +2669,7 @@
           <a:p>
             <a:fld id="{330F189F-FDCA-3B49-BD71-3758360E44DC}" type="datetimeFigureOut">
               <a:rPr lang="en-US" smtClean="0"/>
-              <a:t>4/8/20</a:t>
+              <a:t>4/15/20</a:t>
             </a:fld>
             <a:endParaRPr lang="en-US"/>
           </a:p>
@@ -2904,7 +2910,7 @@
           <a:p>
             <a:fld id="{330F189F-FDCA-3B49-BD71-3758360E44DC}" type="datetimeFigureOut">
               <a:rPr lang="en-US" smtClean="0"/>
-              <a:t>4/8/20</a:t>
+              <a:t>4/15/20</a:t>
             </a:fld>
             <a:endParaRPr lang="en-US"/>
           </a:p>
@@ -3336,14 +3342,14 @@
           <p:nvPr>
             <p:extLst>
               <p:ext uri="{D42A27DB-BD31-4B8C-83A1-F6EECF244321}">
-                <p14:modId xmlns:p14="http://schemas.microsoft.com/office/powerpoint/2010/main" val="3174111725"/>
+                <p14:modId xmlns:p14="http://schemas.microsoft.com/office/powerpoint/2010/main" val="4036901382"/>
               </p:ext>
             </p:extLst>
           </p:nvPr>
         </p:nvGraphicFramePr>
         <p:xfrm>
-          <a:off x="103031" y="43763"/>
-          <a:ext cx="11513712" cy="6770473"/>
+          <a:off x="0" y="1"/>
+          <a:ext cx="12191999" cy="6838823"/>
         </p:xfrm>
         <a:graphic>
           <a:graphicData uri="http://schemas.openxmlformats.org/drawingml/2006/table">
@@ -3352,14 +3358,14 @@
                 <a:tableStyleId>{5C22544A-7EE6-4342-B048-85BDC9FD1C3A}</a:tableStyleId>
               </a:tblPr>
               <a:tblGrid>
-                <a:gridCol w="5750775">
+                <a:gridCol w="6089561">
                   <a:extLst>
                     <a:ext uri="{9D8B030D-6E8A-4147-A177-3AD203B41FA5}">
                       <a16:colId xmlns:a16="http://schemas.microsoft.com/office/drawing/2014/main" val="952098541"/>
                     </a:ext>
                   </a:extLst>
                 </a:gridCol>
-                <a:gridCol w="5762937">
+                <a:gridCol w="6102438">
                   <a:extLst>
                     <a:ext uri="{9D8B030D-6E8A-4147-A177-3AD203B41FA5}">
                       <a16:colId xmlns:a16="http://schemas.microsoft.com/office/drawing/2014/main" val="4164835218"/>
@@ -3367,7 +3373,7 @@
                   </a:extLst>
                 </a:gridCol>
               </a:tblGrid>
-              <a:tr h="374223">
+              <a:tr h="365671">
                 <a:tc>
                   <a:txBody>
                     <a:bodyPr/>
@@ -3400,7 +3406,7 @@
                   </a:ext>
                 </a:extLst>
               </a:tr>
-              <a:tr h="764269">
+              <a:tr h="746802">
                 <a:tc>
                   <a:txBody>
                     <a:bodyPr/>
@@ -3538,7 +3544,7 @@
                   </a:ext>
                 </a:extLst>
               </a:tr>
-              <a:tr h="645918">
+              <a:tr h="631155">
                 <a:tc>
                   <a:txBody>
                     <a:bodyPr/>
@@ -3568,7 +3574,7 @@
                   </a:ext>
                 </a:extLst>
               </a:tr>
-              <a:tr h="645918">
+              <a:tr h="872917">
                 <a:tc>
                   <a:txBody>
                     <a:bodyPr/>
@@ -3598,7 +3604,7 @@
                   </a:ext>
                 </a:extLst>
               </a:tr>
-              <a:tr h="446812">
+              <a:tr h="436600">
                 <a:tc>
                   <a:txBody>
                     <a:bodyPr/>
@@ -3612,10 +3618,169 @@
                   </a:txBody>
                   <a:tcPr/>
                 </a:tc>
-                <a:tc>
+                <a:tc rowSpan="5">
                   <a:txBody>
                     <a:bodyPr/>
                     <a:lstStyle/>
+                    <a:p>
+                      <a:r>
+                        <a:rPr lang="en-US" dirty="0"/>
+                        <a:t>Main function in </a:t>
+                      </a:r>
+                      <a:r>
+                        <a:rPr lang="en-US" dirty="0" err="1"/>
+                        <a:t>run_multi_path.py</a:t>
+                      </a:r>
+                      <a:r>
+                        <a:rPr lang="en-US" dirty="0"/>
+                        <a:t>:</a:t>
+                      </a:r>
+                    </a:p>
+                    <a:p>
+                      <a:pPr marL="285750" indent="-285750">
+                        <a:buFont typeface="Arial" panose="020B0604020202020204" pitchFamily="34" charset="0"/>
+                        <a:buChar char="•"/>
+                      </a:pPr>
+                      <a:r>
+                        <a:rPr lang="en-US" dirty="0"/>
+                        <a:t>First, in the training mode, using </a:t>
+                      </a:r>
+                      <a:r>
+                        <a:rPr lang="en-US" dirty="0">
+                          <a:solidFill>
+                            <a:srgbClr val="00B050"/>
+                          </a:solidFill>
+                        </a:rPr>
+                        <a:t>a2c.learn() </a:t>
+                      </a:r>
+                      <a:r>
+                        <a:rPr lang="en-US" dirty="0"/>
+                        <a:t>and our environment, an instance of </a:t>
+                      </a:r>
+                      <a:r>
+                        <a:rPr lang="en-US" dirty="0" err="1">
+                          <a:solidFill>
+                            <a:srgbClr val="00B050"/>
+                          </a:solidFill>
+                        </a:rPr>
+                        <a:t>FlowSchedDataEnv</a:t>
+                      </a:r>
+                      <a:r>
+                        <a:rPr lang="en-US" dirty="0">
+                          <a:solidFill>
+                            <a:srgbClr val="00B050"/>
+                          </a:solidFill>
+                        </a:rPr>
+                        <a:t>()</a:t>
+                      </a:r>
+                      <a:r>
+                        <a:rPr lang="en-US" dirty="0"/>
+                        <a:t> class: </a:t>
+                      </a:r>
+                    </a:p>
+                    <a:p>
+                      <a:pPr marL="285750" indent="-285750">
+                        <a:buFont typeface="Arial" panose="020B0604020202020204" pitchFamily="34" charset="0"/>
+                        <a:buChar char="•"/>
+                      </a:pPr>
+                      <a:r>
+                        <a:rPr lang="en-US" dirty="0"/>
+                        <a:t>Then, in each iteration to be recorded, </a:t>
+                      </a:r>
+                      <a:r>
+                        <a:rPr lang="en-US" dirty="0" err="1">
+                          <a:solidFill>
+                            <a:srgbClr val="00B050"/>
+                          </a:solidFill>
+                        </a:rPr>
+                        <a:t>env</a:t>
+                      </a:r>
+                      <a:r>
+                        <a:rPr lang="en-US" dirty="0" err="1"/>
+                        <a:t>.</a:t>
+                      </a:r>
+                      <a:r>
+                        <a:rPr lang="en-US" dirty="0" err="1">
+                          <a:solidFill>
+                            <a:srgbClr val="00B050"/>
+                          </a:solidFill>
+                        </a:rPr>
+                        <a:t>step</a:t>
+                      </a:r>
+                      <a:r>
+                        <a:rPr lang="en-US" dirty="0">
+                          <a:solidFill>
+                            <a:srgbClr val="00B050"/>
+                          </a:solidFill>
+                        </a:rPr>
+                        <a:t>() </a:t>
+                      </a:r>
+                      <a:r>
+                        <a:rPr lang="en-US" dirty="0"/>
+                        <a:t>interacts with </a:t>
+                      </a:r>
+                      <a:r>
+                        <a:rPr lang="en-US" dirty="0" err="1">
+                          <a:solidFill>
+                            <a:srgbClr val="00B050"/>
+                          </a:solidFill>
+                        </a:rPr>
+                        <a:t>model.step</a:t>
+                      </a:r>
+                      <a:r>
+                        <a:rPr lang="en-US" dirty="0">
+                          <a:solidFill>
+                            <a:srgbClr val="00B050"/>
+                          </a:solidFill>
+                        </a:rPr>
+                        <a:t>()</a:t>
+                      </a:r>
+                    </a:p>
+                    <a:p>
+                      <a:pPr marL="742950" lvl="1" indent="-285750">
+                        <a:buFont typeface="Arial" panose="020B0604020202020204" pitchFamily="34" charset="0"/>
+                        <a:buChar char="•"/>
+                      </a:pPr>
+                      <a:r>
+                        <a:rPr lang="en-US" dirty="0"/>
+                        <a:t>This model is well trained</a:t>
+                      </a:r>
+                    </a:p>
+                    <a:p>
+                      <a:pPr marL="742950" lvl="1" indent="-285750">
+                        <a:buFont typeface="Arial" panose="020B0604020202020204" pitchFamily="34" charset="0"/>
+                        <a:buChar char="•"/>
+                      </a:pPr>
+                      <a:r>
+                        <a:rPr lang="en-US" dirty="0"/>
+                        <a:t>The </a:t>
+                      </a:r>
+                      <a:r>
+                        <a:rPr lang="en-US" dirty="0" err="1"/>
+                        <a:t>model.step</a:t>
+                      </a:r>
+                      <a:r>
+                        <a:rPr lang="en-US" dirty="0"/>
+                        <a:t>() function computes the next actions and will not train the model on the fly, but only </a:t>
+                      </a:r>
+                    </a:p>
+                    <a:p>
+                      <a:pPr marL="0" lvl="0" indent="0">
+                        <a:buFont typeface="Arial" panose="020B0604020202020204" pitchFamily="34" charset="0"/>
+                        <a:buNone/>
+                      </a:pPr>
+                      <a:endParaRPr lang="en-US" i="1" dirty="0"/>
+                    </a:p>
+                    <a:p>
+                      <a:pPr marL="0" lvl="0" indent="0">
+                        <a:buFont typeface="Arial" panose="020B0604020202020204" pitchFamily="34" charset="0"/>
+                        <a:buNone/>
+                      </a:pPr>
+                      <a:r>
+                        <a:rPr lang="en-US" i="1" dirty="0"/>
+                        <a:t>More specifics are in the next slide..</a:t>
+                      </a:r>
+                    </a:p>
                     <a:p>
                       <a:endParaRPr lang="en-US" dirty="0"/>
                     </a:p>
@@ -3628,7 +3793,7 @@
                   </a:ext>
                 </a:extLst>
               </a:tr>
-              <a:tr h="645918">
+              <a:tr h="631155">
                 <a:tc>
                   <a:txBody>
                     <a:bodyPr/>
@@ -3659,7 +3824,7 @@
                   </a:txBody>
                   <a:tcPr/>
                 </a:tc>
-                <a:tc>
+                <a:tc vMerge="1">
                   <a:txBody>
                     <a:bodyPr/>
                     <a:lstStyle/>
@@ -3675,7 +3840,7 @@
                   </a:ext>
                 </a:extLst>
               </a:tr>
-              <a:tr h="645918">
+              <a:tr h="1170454">
                 <a:tc>
                   <a:txBody>
                     <a:bodyPr/>
@@ -3708,13 +3873,13 @@
                       </a:r>
                       <a:r>
                         <a:rPr lang="en-US" dirty="0"/>
-                        <a:t>, fit by BAE’s data</a:t>
+                        <a:t>, fit by using BAE’s data</a:t>
                       </a:r>
                     </a:p>
                   </a:txBody>
                   <a:tcPr/>
                 </a:tc>
-                <a:tc>
+                <a:tc vMerge="1">
                   <a:txBody>
                     <a:bodyPr/>
                     <a:lstStyle/>
@@ -3730,7 +3895,7 @@
                   </a:ext>
                 </a:extLst>
               </a:tr>
-              <a:tr h="374223">
+              <a:tr h="1170454">
                 <a:tc>
                   <a:txBody>
                     <a:bodyPr/>
@@ -3738,7 +3903,7 @@
                     <a:p>
                       <a:r>
                         <a:rPr lang="en-US" dirty="0"/>
-                        <a:t>There are two protocols, cubic and reno; the weight of each protocol equals the normalized value of the reciprocal of the RTT  (please refer to the white paper and </a:t>
+                        <a:t>There are two protocols, cubic and reno; the weight of each protocol equals the normalized value of the reciprocal of the RTT  (please refer to the white papers in /documentations and data/</a:t>
                       </a:r>
                       <a:r>
                         <a:rPr lang="en-US" dirty="0" err="1"/>
@@ -3752,7 +3917,7 @@
                   </a:txBody>
                   <a:tcPr/>
                 </a:tc>
-                <a:tc>
+                <a:tc vMerge="1">
                   <a:txBody>
                     <a:bodyPr/>
                     <a:lstStyle/>
@@ -3768,7 +3933,7 @@
                   </a:ext>
                 </a:extLst>
               </a:tr>
-              <a:tr h="374223">
+              <a:tr h="732943">
                 <a:tc>
                   <a:txBody>
                     <a:bodyPr/>
@@ -3802,7 +3967,7 @@
                   </a:txBody>
                   <a:tcPr/>
                 </a:tc>
-                <a:tc>
+                <a:tc vMerge="1">
                   <a:txBody>
                     <a:bodyPr/>
                     <a:lstStyle/>
@@ -3826,6 +3991,625 @@
     <p:extLst>
       <p:ext uri="{BB962C8B-B14F-4D97-AF65-F5344CB8AC3E}">
         <p14:creationId xmlns:p14="http://schemas.microsoft.com/office/powerpoint/2010/main" val="1347812457"/>
+      </p:ext>
+    </p:extLst>
+  </p:cSld>
+  <p:clrMapOvr>
+    <a:masterClrMapping/>
+  </p:clrMapOvr>
+</p:sld>
+</file>
+
+<file path=ppt/slides/slide2.xml><?xml version="1.0" encoding="utf-8"?>
+<p:sld xmlns:a="http://schemas.openxmlformats.org/drawingml/2006/main" xmlns:r="http://schemas.openxmlformats.org/officeDocument/2006/relationships" xmlns:p="http://schemas.openxmlformats.org/presentationml/2006/main">
+  <p:cSld>
+    <p:spTree>
+      <p:nvGrpSpPr>
+        <p:cNvPr id="1" name=""/>
+        <p:cNvGrpSpPr/>
+        <p:nvPr/>
+      </p:nvGrpSpPr>
+      <p:grpSpPr>
+        <a:xfrm>
+          <a:off x="0" y="0"/>
+          <a:ext cx="0" cy="0"/>
+          <a:chOff x="0" y="0"/>
+          <a:chExt cx="0" cy="0"/>
+        </a:xfrm>
+      </p:grpSpPr>
+      <p:sp>
+        <p:nvSpPr>
+          <p:cNvPr id="2" name="Title 1">
+            <a:extLst>
+              <a:ext uri="{FF2B5EF4-FFF2-40B4-BE49-F238E27FC236}">
+                <a16:creationId xmlns:a16="http://schemas.microsoft.com/office/drawing/2014/main" id="{45F6A2E3-8859-7949-BF97-FD24ED16EBD9}"/>
+              </a:ext>
+            </a:extLst>
+          </p:cNvPr>
+          <p:cNvSpPr>
+            <a:spLocks noGrp="1"/>
+          </p:cNvSpPr>
+          <p:nvPr>
+            <p:ph type="title"/>
+          </p:nvPr>
+        </p:nvSpPr>
+        <p:spPr/>
+        <p:txBody>
+          <a:bodyPr/>
+          <a:lstStyle/>
+          <a:p>
+            <a:r>
+              <a:rPr lang="en-US" dirty="0"/>
+              <a:t>Main function in </a:t>
+            </a:r>
+            <a:r>
+              <a:rPr lang="en-US" dirty="0" err="1"/>
+              <a:t>run_multi_path.py</a:t>
+            </a:r>
+            <a:r>
+              <a:rPr lang="en-US" dirty="0"/>
+              <a:t>:</a:t>
+            </a:r>
+          </a:p>
+        </p:txBody>
+      </p:sp>
+      <p:sp>
+        <p:nvSpPr>
+          <p:cNvPr id="3" name="Content Placeholder 2">
+            <a:extLst>
+              <a:ext uri="{FF2B5EF4-FFF2-40B4-BE49-F238E27FC236}">
+                <a16:creationId xmlns:a16="http://schemas.microsoft.com/office/drawing/2014/main" id="{68402C37-509E-F544-8833-57287AA3A400}"/>
+              </a:ext>
+            </a:extLst>
+          </p:cNvPr>
+          <p:cNvSpPr>
+            <a:spLocks noGrp="1"/>
+          </p:cNvSpPr>
+          <p:nvPr>
+            <p:ph idx="1"/>
+          </p:nvPr>
+        </p:nvSpPr>
+        <p:spPr>
+          <a:xfrm>
+            <a:off x="838200" y="1825625"/>
+            <a:ext cx="10515600" cy="4554154"/>
+          </a:xfrm>
+        </p:spPr>
+        <p:txBody>
+          <a:bodyPr>
+            <a:normAutofit fontScale="77500" lnSpcReduction="20000"/>
+          </a:bodyPr>
+          <a:lstStyle/>
+          <a:p>
+            <a:pPr marL="285750" indent="-285750"/>
+            <a:r>
+              <a:rPr lang="en-US" b="1" dirty="0"/>
+              <a:t>First, it trains model by using a2c.learn() and our environment:</a:t>
+            </a:r>
+            <a:endParaRPr lang="en-US" dirty="0"/>
+          </a:p>
+          <a:p>
+            <a:pPr marL="742950" lvl="1" indent="-285750"/>
+            <a:r>
+              <a:rPr lang="en-US" b="1" dirty="0"/>
+              <a:t>a2c.learn() trains and returns a model; specifically, in a2c.py, function learn()  </a:t>
+            </a:r>
+          </a:p>
+          <a:p>
+            <a:pPr marL="1200150" lvl="2" indent="-285750"/>
+            <a:r>
+              <a:rPr lang="en-US" dirty="0"/>
+              <a:t>instantiates a model using </a:t>
+            </a:r>
+            <a:r>
+              <a:rPr lang="en-US" dirty="0">
+                <a:solidFill>
+                  <a:srgbClr val="00B050"/>
+                </a:solidFill>
+              </a:rPr>
+              <a:t>Model(policy, env, </a:t>
+            </a:r>
+            <a:r>
+              <a:rPr lang="en-US" dirty="0" err="1">
+                <a:solidFill>
+                  <a:srgbClr val="00B050"/>
+                </a:solidFill>
+              </a:rPr>
+              <a:t>args</a:t>
+            </a:r>
+            <a:r>
+              <a:rPr lang="en-US" dirty="0">
+                <a:solidFill>
+                  <a:srgbClr val="00B050"/>
+                </a:solidFill>
+              </a:rPr>
+              <a:t>) </a:t>
+            </a:r>
+            <a:r>
+              <a:rPr lang="en-US" dirty="0"/>
+              <a:t>and </a:t>
+            </a:r>
+          </a:p>
+          <a:p>
+            <a:pPr marL="1200150" lvl="2" indent="-285750"/>
+            <a:r>
+              <a:rPr lang="en-US" dirty="0"/>
+              <a:t>trains the model by using </a:t>
+            </a:r>
+            <a:r>
+              <a:rPr lang="en-US" dirty="0" err="1">
+                <a:solidFill>
+                  <a:srgbClr val="00B050"/>
+                </a:solidFill>
+              </a:rPr>
+              <a:t>runner.run</a:t>
+            </a:r>
+            <a:r>
+              <a:rPr lang="en-US" dirty="0">
+                <a:solidFill>
+                  <a:srgbClr val="00B050"/>
+                </a:solidFill>
+              </a:rPr>
+              <a:t>() </a:t>
+            </a:r>
+            <a:r>
+              <a:rPr lang="en-US" dirty="0"/>
+              <a:t>to get observations etc. and </a:t>
+            </a:r>
+            <a:r>
+              <a:rPr lang="en-US" dirty="0" err="1">
+                <a:solidFill>
+                  <a:srgbClr val="00B050"/>
+                </a:solidFill>
+              </a:rPr>
+              <a:t>Model.train</a:t>
+            </a:r>
+            <a:r>
+              <a:rPr lang="en-US" dirty="0">
+                <a:solidFill>
+                  <a:srgbClr val="00B050"/>
+                </a:solidFill>
+              </a:rPr>
+              <a:t>(),</a:t>
+            </a:r>
+          </a:p>
+          <a:p>
+            <a:pPr marL="1200150" lvl="2" indent="-285750"/>
+            <a:r>
+              <a:rPr lang="en-US" dirty="0"/>
+              <a:t>where </a:t>
+            </a:r>
+            <a:r>
+              <a:rPr lang="en-US" dirty="0" err="1"/>
+              <a:t>Model.train</a:t>
+            </a:r>
+            <a:r>
+              <a:rPr lang="en-US" dirty="0"/>
+              <a:t>() uses </a:t>
+            </a:r>
+            <a:r>
+              <a:rPr lang="en-US" dirty="0" err="1">
+                <a:solidFill>
+                  <a:srgbClr val="00B050"/>
+                </a:solidFill>
+                <a:sym typeface="Wingdings" pitchFamily="2" charset="2"/>
+              </a:rPr>
+              <a:t>train_model</a:t>
+            </a:r>
+            <a:r>
+              <a:rPr lang="en-US" dirty="0">
+                <a:solidFill>
+                  <a:srgbClr val="00B050"/>
+                </a:solidFill>
+                <a:sym typeface="Wingdings" pitchFamily="2" charset="2"/>
+              </a:rPr>
+              <a:t> = policy(</a:t>
+            </a:r>
+            <a:r>
+              <a:rPr lang="en-US" dirty="0" err="1">
+                <a:solidFill>
+                  <a:srgbClr val="00B050"/>
+                </a:solidFill>
+                <a:sym typeface="Wingdings" pitchFamily="2" charset="2"/>
+              </a:rPr>
+              <a:t>args</a:t>
+            </a:r>
+            <a:r>
+              <a:rPr lang="en-US" dirty="0">
+                <a:solidFill>
+                  <a:srgbClr val="00B050"/>
+                </a:solidFill>
+                <a:sym typeface="Wingdings" pitchFamily="2" charset="2"/>
+              </a:rPr>
+              <a:t>)</a:t>
+            </a:r>
+            <a:r>
+              <a:rPr lang="en-US" dirty="0"/>
+              <a:t>, which is returned by </a:t>
+            </a:r>
+            <a:r>
+              <a:rPr lang="en-US" dirty="0" err="1"/>
+              <a:t>build_policy</a:t>
+            </a:r>
+            <a:r>
+              <a:rPr lang="en-US" dirty="0"/>
+              <a:t>(env) in </a:t>
+            </a:r>
+            <a:r>
+              <a:rPr lang="en-US" dirty="0" err="1"/>
+              <a:t>policies.py</a:t>
+            </a:r>
+            <a:endParaRPr lang="en-US" dirty="0"/>
+          </a:p>
+          <a:p>
+            <a:pPr marL="742950" lvl="1" indent="-285750"/>
+            <a:r>
+              <a:rPr lang="en-US" dirty="0"/>
+              <a:t>Line 67, env = </a:t>
+            </a:r>
+            <a:r>
+              <a:rPr lang="en-US" dirty="0" err="1"/>
+              <a:t>FlowSchedDataEnv</a:t>
+            </a:r>
+            <a:r>
+              <a:rPr lang="en-US" dirty="0"/>
+              <a:t>()</a:t>
+            </a:r>
+          </a:p>
+          <a:p>
+            <a:pPr marL="742950" lvl="1" indent="-285750"/>
+            <a:r>
+              <a:rPr lang="en-US" dirty="0"/>
+              <a:t>Line 63, learn = baselines.a2c.learn()  </a:t>
+            </a:r>
+          </a:p>
+          <a:p>
+            <a:pPr marL="742950" lvl="1" indent="-285750"/>
+            <a:r>
+              <a:rPr lang="en-US" dirty="0"/>
+              <a:t>Line 79, </a:t>
+            </a:r>
+            <a:r>
+              <a:rPr lang="en-US" dirty="0">
+                <a:solidFill>
+                  <a:srgbClr val="00B050"/>
+                </a:solidFill>
+              </a:rPr>
+              <a:t>model = learn(env, </a:t>
+            </a:r>
+            <a:r>
+              <a:rPr lang="en-US" dirty="0" err="1">
+                <a:solidFill>
+                  <a:srgbClr val="00B050"/>
+                </a:solidFill>
+              </a:rPr>
+              <a:t>args</a:t>
+            </a:r>
+            <a:r>
+              <a:rPr lang="en-US" dirty="0"/>
+              <a:t>)</a:t>
+            </a:r>
+            <a:endParaRPr lang="en-US" dirty="0">
+              <a:solidFill>
+                <a:srgbClr val="FF0000"/>
+              </a:solidFill>
+            </a:endParaRPr>
+          </a:p>
+          <a:p>
+            <a:pPr marL="285750" indent="-285750"/>
+            <a:r>
+              <a:rPr lang="en-US" b="1" dirty="0"/>
+              <a:t>Then, in each iteration to be recorded, </a:t>
+            </a:r>
+            <a:r>
+              <a:rPr lang="en-US" b="1" dirty="0" err="1">
+                <a:solidFill>
+                  <a:srgbClr val="00B050"/>
+                </a:solidFill>
+              </a:rPr>
+              <a:t>env.step</a:t>
+            </a:r>
+            <a:r>
+              <a:rPr lang="en-US" b="1" dirty="0">
+                <a:solidFill>
+                  <a:srgbClr val="00B050"/>
+                </a:solidFill>
+              </a:rPr>
+              <a:t>() </a:t>
+            </a:r>
+            <a:r>
+              <a:rPr lang="en-US" b="1" dirty="0"/>
+              <a:t>interacts with </a:t>
+            </a:r>
+            <a:r>
+              <a:rPr lang="en-US" b="1" dirty="0" err="1">
+                <a:solidFill>
+                  <a:srgbClr val="00B050"/>
+                </a:solidFill>
+              </a:rPr>
+              <a:t>model.step</a:t>
+            </a:r>
+            <a:r>
+              <a:rPr lang="en-US" b="1" dirty="0">
+                <a:solidFill>
+                  <a:srgbClr val="00B050"/>
+                </a:solidFill>
+              </a:rPr>
+              <a:t>()</a:t>
+            </a:r>
+            <a:r>
+              <a:rPr lang="en-US" b="1" dirty="0"/>
+              <a:t>:</a:t>
+            </a:r>
+          </a:p>
+          <a:p>
+            <a:pPr marL="742950" lvl="1" indent="-285750"/>
+            <a:r>
+              <a:rPr lang="en-US" b="1" dirty="0"/>
+              <a:t>Function </a:t>
+            </a:r>
+            <a:r>
+              <a:rPr lang="en-US" b="1" dirty="0" err="1"/>
+              <a:t>model.step</a:t>
+            </a:r>
+            <a:r>
+              <a:rPr lang="en-US" b="1" dirty="0"/>
+              <a:t>() does not train the model but only does sampling: it calls </a:t>
+            </a:r>
+            <a:r>
+              <a:rPr lang="en-US" b="1" dirty="0" err="1">
+                <a:solidFill>
+                  <a:srgbClr val="00B050"/>
+                </a:solidFill>
+              </a:rPr>
+              <a:t>tensorflows.sess.run</a:t>
+            </a:r>
+            <a:r>
+              <a:rPr lang="en-US" b="1" dirty="0">
+                <a:solidFill>
+                  <a:srgbClr val="00B050"/>
+                </a:solidFill>
+              </a:rPr>
+              <a:t>() </a:t>
+            </a:r>
+            <a:r>
+              <a:rPr lang="en-US" b="1" dirty="0"/>
+              <a:t>with </a:t>
+            </a:r>
+            <a:r>
+              <a:rPr lang="en-US" b="1" dirty="0" err="1">
+                <a:solidFill>
+                  <a:srgbClr val="00B050"/>
+                </a:solidFill>
+              </a:rPr>
+              <a:t>self.vf</a:t>
+            </a:r>
+            <a:r>
+              <a:rPr lang="en-US" b="1" dirty="0"/>
+              <a:t> of the trained model and observations from </a:t>
+            </a:r>
+            <a:r>
+              <a:rPr lang="en-US" b="1" dirty="0" err="1">
+                <a:solidFill>
+                  <a:srgbClr val="00B050"/>
+                </a:solidFill>
+              </a:rPr>
+              <a:t>env.step</a:t>
+            </a:r>
+            <a:r>
+              <a:rPr lang="en-US" b="1" dirty="0">
+                <a:solidFill>
+                  <a:srgbClr val="00B050"/>
+                </a:solidFill>
+              </a:rPr>
+              <a:t>()</a:t>
+            </a:r>
+            <a:r>
+              <a:rPr lang="en-US" b="1" dirty="0"/>
+              <a:t> as inputs and output actions </a:t>
+            </a:r>
+          </a:p>
+          <a:p>
+            <a:pPr marL="742950" lvl="1" indent="-285750"/>
+            <a:r>
+              <a:rPr lang="en-US" dirty="0"/>
+              <a:t>Here, </a:t>
+            </a:r>
+            <a:r>
+              <a:rPr lang="en-US" dirty="0" err="1">
+                <a:solidFill>
+                  <a:srgbClr val="00B050"/>
+                </a:solidFill>
+              </a:rPr>
+              <a:t>model.step</a:t>
+            </a:r>
+            <a:r>
+              <a:rPr lang="en-US" dirty="0">
+                <a:solidFill>
+                  <a:srgbClr val="00B050"/>
+                </a:solidFill>
+              </a:rPr>
+              <a:t>() is a2c.Model.step(). </a:t>
+            </a:r>
+            <a:r>
+              <a:rPr lang="en-US" dirty="0"/>
+              <a:t>It is from </a:t>
+            </a:r>
+            <a:r>
+              <a:rPr lang="en-US" dirty="0" err="1"/>
+              <a:t>policies.py</a:t>
+            </a:r>
+            <a:r>
+              <a:rPr lang="en-US" dirty="0"/>
+              <a:t>, defined in the class </a:t>
+            </a:r>
+            <a:r>
+              <a:rPr lang="en-US" dirty="0" err="1"/>
+              <a:t>PolicyWithValue</a:t>
+            </a:r>
+            <a:r>
+              <a:rPr lang="en-US" dirty="0"/>
+              <a:t>() which has function step() </a:t>
+            </a:r>
+          </a:p>
+          <a:p>
+            <a:pPr marL="457200" lvl="1" indent="0">
+              <a:buNone/>
+            </a:pPr>
+            <a:r>
+              <a:rPr lang="en-US" dirty="0">
+                <a:sym typeface="Wingdings" pitchFamily="2" charset="2"/>
+              </a:rPr>
+              <a:t></a:t>
+            </a:r>
+            <a:r>
+              <a:rPr lang="en-US" dirty="0"/>
+              <a:t> line 111: </a:t>
+            </a:r>
+            <a:r>
+              <a:rPr lang="en-US" dirty="0" err="1">
+                <a:solidFill>
+                  <a:srgbClr val="00B050"/>
+                </a:solidFill>
+              </a:rPr>
+              <a:t>self.step</a:t>
+            </a:r>
+            <a:r>
+              <a:rPr lang="en-US" dirty="0">
+                <a:solidFill>
+                  <a:srgbClr val="00B050"/>
+                </a:solidFill>
+              </a:rPr>
+              <a:t>=</a:t>
+            </a:r>
+            <a:r>
+              <a:rPr lang="en-US" dirty="0" err="1">
+                <a:solidFill>
+                  <a:srgbClr val="00B050"/>
+                </a:solidFill>
+              </a:rPr>
+              <a:t>step_model.step</a:t>
+            </a:r>
+            <a:endParaRPr lang="en-US" dirty="0"/>
+          </a:p>
+          <a:p>
+            <a:pPr lvl="1">
+              <a:buFont typeface="Wingdings" pitchFamily="2" charset="2"/>
+              <a:buChar char="à"/>
+            </a:pPr>
+            <a:r>
+              <a:rPr lang="en-US" dirty="0">
+                <a:sym typeface="Wingdings" pitchFamily="2" charset="2"/>
+              </a:rPr>
+              <a:t> line 44, </a:t>
+            </a:r>
+            <a:r>
+              <a:rPr lang="en-US" dirty="0" err="1">
+                <a:solidFill>
+                  <a:srgbClr val="00B050"/>
+                </a:solidFill>
+                <a:sym typeface="Wingdings" pitchFamily="2" charset="2"/>
+              </a:rPr>
+              <a:t>step_model</a:t>
+            </a:r>
+            <a:r>
+              <a:rPr lang="en-US" dirty="0">
+                <a:solidFill>
+                  <a:srgbClr val="00B050"/>
+                </a:solidFill>
+                <a:sym typeface="Wingdings" pitchFamily="2" charset="2"/>
+              </a:rPr>
+              <a:t> = policy(</a:t>
+            </a:r>
+            <a:r>
+              <a:rPr lang="en-US" dirty="0" err="1">
+                <a:solidFill>
+                  <a:srgbClr val="00B050"/>
+                </a:solidFill>
+                <a:sym typeface="Wingdings" pitchFamily="2" charset="2"/>
+              </a:rPr>
+              <a:t>args</a:t>
+            </a:r>
+            <a:r>
+              <a:rPr lang="en-US" dirty="0">
+                <a:solidFill>
+                  <a:srgbClr val="00B050"/>
+                </a:solidFill>
+                <a:sym typeface="Wingdings" pitchFamily="2" charset="2"/>
+              </a:rPr>
+              <a:t>)</a:t>
+            </a:r>
+            <a:endParaRPr lang="en-US" dirty="0">
+              <a:solidFill>
+                <a:srgbClr val="FF0000"/>
+              </a:solidFill>
+              <a:sym typeface="Wingdings" pitchFamily="2" charset="2"/>
+            </a:endParaRPr>
+          </a:p>
+          <a:p>
+            <a:pPr lvl="1">
+              <a:buFont typeface="Wingdings" pitchFamily="2" charset="2"/>
+              <a:buChar char="à"/>
+            </a:pPr>
+            <a:r>
+              <a:rPr lang="en-US" dirty="0">
+                <a:sym typeface="Wingdings" pitchFamily="2" charset="2"/>
+              </a:rPr>
+              <a:t> line 190, </a:t>
+            </a:r>
+            <a:r>
+              <a:rPr lang="en-US" dirty="0">
+                <a:solidFill>
+                  <a:srgbClr val="00B050"/>
+                </a:solidFill>
+                <a:sym typeface="Wingdings" pitchFamily="2" charset="2"/>
+              </a:rPr>
+              <a:t>policy = </a:t>
+            </a:r>
+            <a:r>
+              <a:rPr lang="en-US" dirty="0" err="1">
+                <a:solidFill>
+                  <a:srgbClr val="00B050"/>
+                </a:solidFill>
+                <a:sym typeface="Wingdings" pitchFamily="2" charset="2"/>
+              </a:rPr>
+              <a:t>build_policy</a:t>
+            </a:r>
+            <a:r>
+              <a:rPr lang="en-US" dirty="0">
+                <a:solidFill>
+                  <a:srgbClr val="00B050"/>
+                </a:solidFill>
+                <a:sym typeface="Wingdings" pitchFamily="2" charset="2"/>
+              </a:rPr>
+              <a:t>(env)</a:t>
+            </a:r>
+            <a:r>
+              <a:rPr lang="en-US" dirty="0">
+                <a:sym typeface="Wingdings" pitchFamily="2" charset="2"/>
+              </a:rPr>
+              <a:t>, which returns a policy defined in the class </a:t>
+            </a:r>
+            <a:r>
+              <a:rPr lang="en-US" dirty="0" err="1">
+                <a:sym typeface="Wingdings" pitchFamily="2" charset="2"/>
+              </a:rPr>
+              <a:t>PolicyWithValue</a:t>
+            </a:r>
+            <a:r>
+              <a:rPr lang="en-US" dirty="0">
+                <a:sym typeface="Wingdings" pitchFamily="2" charset="2"/>
+              </a:rPr>
+              <a:t>()</a:t>
+            </a:r>
+            <a:endParaRPr lang="en-US" dirty="0"/>
+          </a:p>
+        </p:txBody>
+      </p:sp>
+    </p:spTree>
+    <p:extLst>
+      <p:ext uri="{BB962C8B-B14F-4D97-AF65-F5344CB8AC3E}">
+        <p14:creationId xmlns:p14="http://schemas.microsoft.com/office/powerpoint/2010/main" val="1865371599"/>
       </p:ext>
     </p:extLst>
   </p:cSld>

--- a/documentations/codeflow_asm.pptx
+++ b/documentations/codeflow_asm.pptx
@@ -260,7 +260,7 @@
           <a:p>
             <a:fld id="{330F189F-FDCA-3B49-BD71-3758360E44DC}" type="datetimeFigureOut">
               <a:rPr lang="en-US" smtClean="0"/>
-              <a:t>4/15/20</a:t>
+              <a:t>4/28/20</a:t>
             </a:fld>
             <a:endParaRPr lang="en-US"/>
           </a:p>
@@ -458,7 +458,7 @@
           <a:p>
             <a:fld id="{330F189F-FDCA-3B49-BD71-3758360E44DC}" type="datetimeFigureOut">
               <a:rPr lang="en-US" smtClean="0"/>
-              <a:t>4/15/20</a:t>
+              <a:t>4/28/20</a:t>
             </a:fld>
             <a:endParaRPr lang="en-US"/>
           </a:p>
@@ -666,7 +666,7 @@
           <a:p>
             <a:fld id="{330F189F-FDCA-3B49-BD71-3758360E44DC}" type="datetimeFigureOut">
               <a:rPr lang="en-US" smtClean="0"/>
-              <a:t>4/15/20</a:t>
+              <a:t>4/28/20</a:t>
             </a:fld>
             <a:endParaRPr lang="en-US"/>
           </a:p>
@@ -864,7 +864,7 @@
           <a:p>
             <a:fld id="{330F189F-FDCA-3B49-BD71-3758360E44DC}" type="datetimeFigureOut">
               <a:rPr lang="en-US" smtClean="0"/>
-              <a:t>4/15/20</a:t>
+              <a:t>4/28/20</a:t>
             </a:fld>
             <a:endParaRPr lang="en-US"/>
           </a:p>
@@ -1139,7 +1139,7 @@
           <a:p>
             <a:fld id="{330F189F-FDCA-3B49-BD71-3758360E44DC}" type="datetimeFigureOut">
               <a:rPr lang="en-US" smtClean="0"/>
-              <a:t>4/15/20</a:t>
+              <a:t>4/28/20</a:t>
             </a:fld>
             <a:endParaRPr lang="en-US"/>
           </a:p>
@@ -1404,7 +1404,7 @@
           <a:p>
             <a:fld id="{330F189F-FDCA-3B49-BD71-3758360E44DC}" type="datetimeFigureOut">
               <a:rPr lang="en-US" smtClean="0"/>
-              <a:t>4/15/20</a:t>
+              <a:t>4/28/20</a:t>
             </a:fld>
             <a:endParaRPr lang="en-US"/>
           </a:p>
@@ -1816,7 +1816,7 @@
           <a:p>
             <a:fld id="{330F189F-FDCA-3B49-BD71-3758360E44DC}" type="datetimeFigureOut">
               <a:rPr lang="en-US" smtClean="0"/>
-              <a:t>4/15/20</a:t>
+              <a:t>4/28/20</a:t>
             </a:fld>
             <a:endParaRPr lang="en-US"/>
           </a:p>
@@ -1957,7 +1957,7 @@
           <a:p>
             <a:fld id="{330F189F-FDCA-3B49-BD71-3758360E44DC}" type="datetimeFigureOut">
               <a:rPr lang="en-US" smtClean="0"/>
-              <a:t>4/15/20</a:t>
+              <a:t>4/28/20</a:t>
             </a:fld>
             <a:endParaRPr lang="en-US"/>
           </a:p>
@@ -2070,7 +2070,7 @@
           <a:p>
             <a:fld id="{330F189F-FDCA-3B49-BD71-3758360E44DC}" type="datetimeFigureOut">
               <a:rPr lang="en-US" smtClean="0"/>
-              <a:t>4/15/20</a:t>
+              <a:t>4/28/20</a:t>
             </a:fld>
             <a:endParaRPr lang="en-US"/>
           </a:p>
@@ -2381,7 +2381,7 @@
           <a:p>
             <a:fld id="{330F189F-FDCA-3B49-BD71-3758360E44DC}" type="datetimeFigureOut">
               <a:rPr lang="en-US" smtClean="0"/>
-              <a:t>4/15/20</a:t>
+              <a:t>4/28/20</a:t>
             </a:fld>
             <a:endParaRPr lang="en-US"/>
           </a:p>
@@ -2669,7 +2669,7 @@
           <a:p>
             <a:fld id="{330F189F-FDCA-3B49-BD71-3758360E44DC}" type="datetimeFigureOut">
               <a:rPr lang="en-US" smtClean="0"/>
-              <a:t>4/15/20</a:t>
+              <a:t>4/28/20</a:t>
             </a:fld>
             <a:endParaRPr lang="en-US"/>
           </a:p>
@@ -2910,7 +2910,7 @@
           <a:p>
             <a:fld id="{330F189F-FDCA-3B49-BD71-3758360E44DC}" type="datetimeFigureOut">
               <a:rPr lang="en-US" smtClean="0"/>
-              <a:t>4/15/20</a:t>
+              <a:t>4/28/20</a:t>
             </a:fld>
             <a:endParaRPr lang="en-US"/>
           </a:p>
@@ -3342,7 +3342,7 @@
           <p:nvPr>
             <p:extLst>
               <p:ext uri="{D42A27DB-BD31-4B8C-83A1-F6EECF244321}">
-                <p14:modId xmlns:p14="http://schemas.microsoft.com/office/powerpoint/2010/main" val="4036901382"/>
+                <p14:modId xmlns:p14="http://schemas.microsoft.com/office/powerpoint/2010/main" val="169945705"/>
               </p:ext>
             </p:extLst>
           </p:nvPr>
@@ -3761,7 +3761,7 @@
                       </a:r>
                       <a:r>
                         <a:rPr lang="en-US" dirty="0"/>
-                        <a:t>() function computes the next actions and will not train the model on the fly, but only </a:t>
+                        <a:t>() function computes the next actions and will not train the model on the fly</a:t>
                       </a:r>
                     </a:p>
                     <a:p>

--- a/documentations/codeflow_asm.pptx
+++ b/documentations/codeflow_asm.pptx
@@ -260,7 +260,7 @@
           <a:p>
             <a:fld id="{330F189F-FDCA-3B49-BD71-3758360E44DC}" type="datetimeFigureOut">
               <a:rPr lang="en-US" smtClean="0"/>
-              <a:t>4/28/20</a:t>
+              <a:t>6/11/20</a:t>
             </a:fld>
             <a:endParaRPr lang="en-US"/>
           </a:p>
@@ -458,7 +458,7 @@
           <a:p>
             <a:fld id="{330F189F-FDCA-3B49-BD71-3758360E44DC}" type="datetimeFigureOut">
               <a:rPr lang="en-US" smtClean="0"/>
-              <a:t>4/28/20</a:t>
+              <a:t>6/11/20</a:t>
             </a:fld>
             <a:endParaRPr lang="en-US"/>
           </a:p>
@@ -666,7 +666,7 @@
           <a:p>
             <a:fld id="{330F189F-FDCA-3B49-BD71-3758360E44DC}" type="datetimeFigureOut">
               <a:rPr lang="en-US" smtClean="0"/>
-              <a:t>4/28/20</a:t>
+              <a:t>6/11/20</a:t>
             </a:fld>
             <a:endParaRPr lang="en-US"/>
           </a:p>
@@ -864,7 +864,7 @@
           <a:p>
             <a:fld id="{330F189F-FDCA-3B49-BD71-3758360E44DC}" type="datetimeFigureOut">
               <a:rPr lang="en-US" smtClean="0"/>
-              <a:t>4/28/20</a:t>
+              <a:t>6/11/20</a:t>
             </a:fld>
             <a:endParaRPr lang="en-US"/>
           </a:p>
@@ -1139,7 +1139,7 @@
           <a:p>
             <a:fld id="{330F189F-FDCA-3B49-BD71-3758360E44DC}" type="datetimeFigureOut">
               <a:rPr lang="en-US" smtClean="0"/>
-              <a:t>4/28/20</a:t>
+              <a:t>6/11/20</a:t>
             </a:fld>
             <a:endParaRPr lang="en-US"/>
           </a:p>
@@ -1404,7 +1404,7 @@
           <a:p>
             <a:fld id="{330F189F-FDCA-3B49-BD71-3758360E44DC}" type="datetimeFigureOut">
               <a:rPr lang="en-US" smtClean="0"/>
-              <a:t>4/28/20</a:t>
+              <a:t>6/11/20</a:t>
             </a:fld>
             <a:endParaRPr lang="en-US"/>
           </a:p>
@@ -1816,7 +1816,7 @@
           <a:p>
             <a:fld id="{330F189F-FDCA-3B49-BD71-3758360E44DC}" type="datetimeFigureOut">
               <a:rPr lang="en-US" smtClean="0"/>
-              <a:t>4/28/20</a:t>
+              <a:t>6/11/20</a:t>
             </a:fld>
             <a:endParaRPr lang="en-US"/>
           </a:p>
@@ -1957,7 +1957,7 @@
           <a:p>
             <a:fld id="{330F189F-FDCA-3B49-BD71-3758360E44DC}" type="datetimeFigureOut">
               <a:rPr lang="en-US" smtClean="0"/>
-              <a:t>4/28/20</a:t>
+              <a:t>6/11/20</a:t>
             </a:fld>
             <a:endParaRPr lang="en-US"/>
           </a:p>
@@ -2070,7 +2070,7 @@
           <a:p>
             <a:fld id="{330F189F-FDCA-3B49-BD71-3758360E44DC}" type="datetimeFigureOut">
               <a:rPr lang="en-US" smtClean="0"/>
-              <a:t>4/28/20</a:t>
+              <a:t>6/11/20</a:t>
             </a:fld>
             <a:endParaRPr lang="en-US"/>
           </a:p>
@@ -2381,7 +2381,7 @@
           <a:p>
             <a:fld id="{330F189F-FDCA-3B49-BD71-3758360E44DC}" type="datetimeFigureOut">
               <a:rPr lang="en-US" smtClean="0"/>
-              <a:t>4/28/20</a:t>
+              <a:t>6/11/20</a:t>
             </a:fld>
             <a:endParaRPr lang="en-US"/>
           </a:p>
@@ -2669,7 +2669,7 @@
           <a:p>
             <a:fld id="{330F189F-FDCA-3B49-BD71-3758360E44DC}" type="datetimeFigureOut">
               <a:rPr lang="en-US" smtClean="0"/>
-              <a:t>4/28/20</a:t>
+              <a:t>6/11/20</a:t>
             </a:fld>
             <a:endParaRPr lang="en-US"/>
           </a:p>
@@ -2910,7 +2910,7 @@
           <a:p>
             <a:fld id="{330F189F-FDCA-3B49-BD71-3758360E44DC}" type="datetimeFigureOut">
               <a:rPr lang="en-US" smtClean="0"/>
-              <a:t>4/28/20</a:t>
+              <a:t>6/11/20</a:t>
             </a:fld>
             <a:endParaRPr lang="en-US"/>
           </a:p>
@@ -4099,7 +4099,7 @@
             <a:pPr marL="1200150" lvl="2" indent="-285750"/>
             <a:r>
               <a:rPr lang="en-US" dirty="0"/>
-              <a:t>instantiates a model using </a:t>
+              <a:t>instantiates model, an instance of class </a:t>
             </a:r>
             <a:r>
               <a:rPr lang="en-US" dirty="0">
@@ -4134,7 +4134,7 @@
             <a:pPr marL="1200150" lvl="2" indent="-285750"/>
             <a:r>
               <a:rPr lang="en-US" dirty="0"/>
-              <a:t>trains the model by using </a:t>
+              <a:t>trains the model by </a:t>
             </a:r>
             <a:r>
               <a:rPr lang="en-US" dirty="0" err="1">
@@ -4519,25 +4519,7 @@
                 </a:solidFill>
                 <a:sym typeface="Wingdings" pitchFamily="2" charset="2"/>
               </a:rPr>
-              <a:t> = policy(</a:t>
-            </a:r>
-            <a:r>
-              <a:rPr lang="en-US" dirty="0" err="1">
-                <a:solidFill>
-                  <a:srgbClr val="00B050"/>
-                </a:solidFill>
-                <a:sym typeface="Wingdings" pitchFamily="2" charset="2"/>
-              </a:rPr>
-              <a:t>args</a:t>
-            </a:r>
-            <a:r>
-              <a:rPr lang="en-US" dirty="0">
-                <a:solidFill>
-                  <a:srgbClr val="00B050"/>
-                </a:solidFill>
-                <a:sym typeface="Wingdings" pitchFamily="2" charset="2"/>
-              </a:rPr>
-              <a:t>)</a:t>
+              <a:t> = policy()</a:t>
             </a:r>
             <a:endParaRPr lang="en-US" dirty="0">
               <a:solidFill>
@@ -4588,7 +4570,19 @@
               <a:rPr lang="en-US" dirty="0">
                 <a:sym typeface="Wingdings" pitchFamily="2" charset="2"/>
               </a:rPr>
-              <a:t>, which returns a policy defined in the class </a:t>
+              <a:t>, which returns </a:t>
+            </a:r>
+            <a:r>
+              <a:rPr lang="en-US">
+                <a:sym typeface="Wingdings" pitchFamily="2" charset="2"/>
+              </a:rPr>
+              <a:t>an instance of the </a:t>
+            </a:r>
+            <a:r>
+              <a:rPr lang="en-US" dirty="0">
+                <a:sym typeface="Wingdings" pitchFamily="2" charset="2"/>
+              </a:rPr>
+              <a:t>class </a:t>
             </a:r>
             <a:r>
               <a:rPr lang="en-US" dirty="0" err="1">
